--- a/assets/images/210121-pointnet++/pointnet++.pptx
+++ b/assets/images/210121-pointnet++/pointnet++.pptx
@@ -6,13 +6,14 @@
   </p:sldMasterIdLst>
   <p:sldIdLst>
     <p:sldId id="256" r:id="rId2"/>
-    <p:sldId id="260" r:id="rId3"/>
-    <p:sldId id="257" r:id="rId4"/>
-    <p:sldId id="258" r:id="rId5"/>
-    <p:sldId id="259" r:id="rId6"/>
-    <p:sldId id="261" r:id="rId7"/>
-    <p:sldId id="262" r:id="rId8"/>
-    <p:sldId id="263" r:id="rId9"/>
+    <p:sldId id="264" r:id="rId3"/>
+    <p:sldId id="260" r:id="rId4"/>
+    <p:sldId id="257" r:id="rId5"/>
+    <p:sldId id="258" r:id="rId6"/>
+    <p:sldId id="259" r:id="rId7"/>
+    <p:sldId id="261" r:id="rId8"/>
+    <p:sldId id="262" r:id="rId9"/>
+    <p:sldId id="263" r:id="rId10"/>
   </p:sldIdLst>
   <p:sldSz cx="12192000" cy="6858000"/>
   <p:notesSz cx="6858000" cy="9144000"/>
@@ -266,7 +267,7 @@
           <a:p>
             <a:fld id="{B4A53B1C-CF13-4621-B374-4A804B43001E}" type="datetimeFigureOut">
               <a:rPr lang="ko-KR" altLang="en-US" smtClean="0"/>
-              <a:t>2021-01-22</a:t>
+              <a:t>2021-02-09</a:t>
             </a:fld>
             <a:endParaRPr lang="ko-KR" altLang="en-US"/>
           </a:p>
@@ -464,7 +465,7 @@
           <a:p>
             <a:fld id="{B4A53B1C-CF13-4621-B374-4A804B43001E}" type="datetimeFigureOut">
               <a:rPr lang="ko-KR" altLang="en-US" smtClean="0"/>
-              <a:t>2021-01-22</a:t>
+              <a:t>2021-02-09</a:t>
             </a:fld>
             <a:endParaRPr lang="ko-KR" altLang="en-US"/>
           </a:p>
@@ -672,7 +673,7 @@
           <a:p>
             <a:fld id="{B4A53B1C-CF13-4621-B374-4A804B43001E}" type="datetimeFigureOut">
               <a:rPr lang="ko-KR" altLang="en-US" smtClean="0"/>
-              <a:t>2021-01-22</a:t>
+              <a:t>2021-02-09</a:t>
             </a:fld>
             <a:endParaRPr lang="ko-KR" altLang="en-US"/>
           </a:p>
@@ -870,7 +871,7 @@
           <a:p>
             <a:fld id="{B4A53B1C-CF13-4621-B374-4A804B43001E}" type="datetimeFigureOut">
               <a:rPr lang="ko-KR" altLang="en-US" smtClean="0"/>
-              <a:t>2021-01-22</a:t>
+              <a:t>2021-02-09</a:t>
             </a:fld>
             <a:endParaRPr lang="ko-KR" altLang="en-US"/>
           </a:p>
@@ -1145,7 +1146,7 @@
           <a:p>
             <a:fld id="{B4A53B1C-CF13-4621-B374-4A804B43001E}" type="datetimeFigureOut">
               <a:rPr lang="ko-KR" altLang="en-US" smtClean="0"/>
-              <a:t>2021-01-22</a:t>
+              <a:t>2021-02-09</a:t>
             </a:fld>
             <a:endParaRPr lang="ko-KR" altLang="en-US"/>
           </a:p>
@@ -1410,7 +1411,7 @@
           <a:p>
             <a:fld id="{B4A53B1C-CF13-4621-B374-4A804B43001E}" type="datetimeFigureOut">
               <a:rPr lang="ko-KR" altLang="en-US" smtClean="0"/>
-              <a:t>2021-01-22</a:t>
+              <a:t>2021-02-09</a:t>
             </a:fld>
             <a:endParaRPr lang="ko-KR" altLang="en-US"/>
           </a:p>
@@ -1822,7 +1823,7 @@
           <a:p>
             <a:fld id="{B4A53B1C-CF13-4621-B374-4A804B43001E}" type="datetimeFigureOut">
               <a:rPr lang="ko-KR" altLang="en-US" smtClean="0"/>
-              <a:t>2021-01-22</a:t>
+              <a:t>2021-02-09</a:t>
             </a:fld>
             <a:endParaRPr lang="ko-KR" altLang="en-US"/>
           </a:p>
@@ -1963,7 +1964,7 @@
           <a:p>
             <a:fld id="{B4A53B1C-CF13-4621-B374-4A804B43001E}" type="datetimeFigureOut">
               <a:rPr lang="ko-KR" altLang="en-US" smtClean="0"/>
-              <a:t>2021-01-22</a:t>
+              <a:t>2021-02-09</a:t>
             </a:fld>
             <a:endParaRPr lang="ko-KR" altLang="en-US"/>
           </a:p>
@@ -2076,7 +2077,7 @@
           <a:p>
             <a:fld id="{B4A53B1C-CF13-4621-B374-4A804B43001E}" type="datetimeFigureOut">
               <a:rPr lang="ko-KR" altLang="en-US" smtClean="0"/>
-              <a:t>2021-01-22</a:t>
+              <a:t>2021-02-09</a:t>
             </a:fld>
             <a:endParaRPr lang="ko-KR" altLang="en-US"/>
           </a:p>
@@ -2387,7 +2388,7 @@
           <a:p>
             <a:fld id="{B4A53B1C-CF13-4621-B374-4A804B43001E}" type="datetimeFigureOut">
               <a:rPr lang="ko-KR" altLang="en-US" smtClean="0"/>
-              <a:t>2021-01-22</a:t>
+              <a:t>2021-02-09</a:t>
             </a:fld>
             <a:endParaRPr lang="ko-KR" altLang="en-US"/>
           </a:p>
@@ -2675,7 +2676,7 @@
           <a:p>
             <a:fld id="{B4A53B1C-CF13-4621-B374-4A804B43001E}" type="datetimeFigureOut">
               <a:rPr lang="ko-KR" altLang="en-US" smtClean="0"/>
-              <a:t>2021-01-22</a:t>
+              <a:t>2021-02-09</a:t>
             </a:fld>
             <a:endParaRPr lang="ko-KR" altLang="en-US"/>
           </a:p>
@@ -2916,7 +2917,7 @@
           <a:p>
             <a:fld id="{B4A53B1C-CF13-4621-B374-4A804B43001E}" type="datetimeFigureOut">
               <a:rPr lang="ko-KR" altLang="en-US" smtClean="0"/>
-              <a:t>2021-01-22</a:t>
+              <a:t>2021-02-09</a:t>
             </a:fld>
             <a:endParaRPr lang="ko-KR" altLang="en-US"/>
           </a:p>
@@ -3333,6 +3334,141 @@
           <a:chExt cx="0" cy="0"/>
         </a:xfrm>
       </p:grpSpPr>
+      <p:grpSp>
+        <p:nvGrpSpPr>
+          <p:cNvPr id="4" name="그룹 3">
+            <a:extLst>
+              <a:ext uri="{FF2B5EF4-FFF2-40B4-BE49-F238E27FC236}">
+                <a16:creationId xmlns:a16="http://schemas.microsoft.com/office/drawing/2014/main" id="{E8B8E292-1D94-4BA4-B58D-60E0E477ACD8}"/>
+              </a:ext>
+            </a:extLst>
+          </p:cNvPr>
+          <p:cNvGrpSpPr/>
+          <p:nvPr/>
+        </p:nvGrpSpPr>
+        <p:grpSpPr>
+          <a:xfrm>
+            <a:off x="1727200" y="895927"/>
+            <a:ext cx="8275782" cy="4137891"/>
+            <a:chOff x="1727200" y="895927"/>
+            <a:chExt cx="8275782" cy="4137891"/>
+          </a:xfrm>
+        </p:grpSpPr>
+        <p:sp>
+          <p:nvSpPr>
+            <p:cNvPr id="2" name="직사각형 1">
+              <a:extLst>
+                <a:ext uri="{FF2B5EF4-FFF2-40B4-BE49-F238E27FC236}">
+                  <a16:creationId xmlns:a16="http://schemas.microsoft.com/office/drawing/2014/main" id="{1A806E7C-63D9-4B18-861E-FE09BC02DEC4}"/>
+                </a:ext>
+              </a:extLst>
+            </p:cNvPr>
+            <p:cNvSpPr/>
+            <p:nvPr/>
+          </p:nvSpPr>
+          <p:spPr>
+            <a:xfrm>
+              <a:off x="1727200" y="895927"/>
+              <a:ext cx="8275782" cy="4137891"/>
+            </a:xfrm>
+            <a:prstGeom prst="rect">
+              <a:avLst/>
+            </a:prstGeom>
+            <a:solidFill>
+              <a:schemeClr val="bg1"/>
+            </a:solidFill>
+            <a:ln>
+              <a:solidFill>
+                <a:schemeClr val="bg1"/>
+              </a:solidFill>
+            </a:ln>
+          </p:spPr>
+          <p:style>
+            <a:lnRef idx="2">
+              <a:schemeClr val="accent1">
+                <a:shade val="50000"/>
+              </a:schemeClr>
+            </a:lnRef>
+            <a:fillRef idx="1">
+              <a:schemeClr val="accent1"/>
+            </a:fillRef>
+            <a:effectRef idx="0">
+              <a:schemeClr val="accent1"/>
+            </a:effectRef>
+            <a:fontRef idx="minor">
+              <a:schemeClr val="lt1"/>
+            </a:fontRef>
+          </p:style>
+          <p:txBody>
+            <a:bodyPr rtlCol="0" anchor="ctr"/>
+            <a:lstStyle/>
+            <a:p>
+              <a:pPr algn="ctr"/>
+              <a:endParaRPr lang="ko-KR" altLang="en-US"/>
+            </a:p>
+          </p:txBody>
+        </p:sp>
+        <p:pic>
+          <p:nvPicPr>
+            <p:cNvPr id="7" name="그림 6">
+              <a:extLst>
+                <a:ext uri="{FF2B5EF4-FFF2-40B4-BE49-F238E27FC236}">
+                  <a16:creationId xmlns:a16="http://schemas.microsoft.com/office/drawing/2014/main" id="{4674D315-C5D2-4D12-AD1A-B90FE2096D17}"/>
+                </a:ext>
+              </a:extLst>
+            </p:cNvPr>
+            <p:cNvPicPr>
+              <a:picLocks noChangeAspect="1"/>
+            </p:cNvPicPr>
+            <p:nvPr/>
+          </p:nvPicPr>
+          <p:blipFill>
+            <a:blip r:embed="rId2"/>
+            <a:stretch>
+              <a:fillRect/>
+            </a:stretch>
+          </p:blipFill>
+          <p:spPr>
+            <a:xfrm>
+              <a:off x="2244436" y="1347875"/>
+              <a:ext cx="7170317" cy="3251833"/>
+            </a:xfrm>
+            <a:prstGeom prst="rect">
+              <a:avLst/>
+            </a:prstGeom>
+          </p:spPr>
+        </p:pic>
+      </p:grpSp>
+    </p:spTree>
+    <p:extLst>
+      <p:ext uri="{BB962C8B-B14F-4D97-AF65-F5344CB8AC3E}">
+        <p14:creationId xmlns:p14="http://schemas.microsoft.com/office/powerpoint/2010/main" val="154336306"/>
+      </p:ext>
+    </p:extLst>
+  </p:cSld>
+  <p:clrMapOvr>
+    <a:masterClrMapping/>
+  </p:clrMapOvr>
+</p:sld>
+</file>
+
+<file path=ppt/slides/slide2.xml><?xml version="1.0" encoding="utf-8"?>
+<p:sld xmlns:a="http://schemas.openxmlformats.org/drawingml/2006/main" xmlns:r="http://schemas.openxmlformats.org/officeDocument/2006/relationships" xmlns:p="http://schemas.openxmlformats.org/presentationml/2006/main">
+  <p:cSld>
+    <p:spTree>
+      <p:nvGrpSpPr>
+        <p:cNvPr id="1" name=""/>
+        <p:cNvGrpSpPr/>
+        <p:nvPr/>
+      </p:nvGrpSpPr>
+      <p:grpSpPr>
+        <a:xfrm>
+          <a:off x="0" y="0"/>
+          <a:ext cx="0" cy="0"/>
+          <a:chOff x="0" y="0"/>
+          <a:chExt cx="0" cy="0"/>
+        </a:xfrm>
+      </p:grpSpPr>
       <p:pic>
         <p:nvPicPr>
           <p:cNvPr id="7" name="그림 6">
@@ -3366,7 +3502,7 @@
     </p:spTree>
     <p:extLst>
       <p:ext uri="{BB962C8B-B14F-4D97-AF65-F5344CB8AC3E}">
-        <p14:creationId xmlns:p14="http://schemas.microsoft.com/office/powerpoint/2010/main" val="154336306"/>
+        <p14:creationId xmlns:p14="http://schemas.microsoft.com/office/powerpoint/2010/main" val="2409757480"/>
       </p:ext>
     </p:extLst>
   </p:cSld>
@@ -3376,7 +3512,7 @@
 </p:sld>
 </file>
 
-<file path=ppt/slides/slide2.xml><?xml version="1.0" encoding="utf-8"?>
+<file path=ppt/slides/slide3.xml><?xml version="1.0" encoding="utf-8"?>
 <p:sld xmlns:a="http://schemas.openxmlformats.org/drawingml/2006/main" xmlns:r="http://schemas.openxmlformats.org/officeDocument/2006/relationships" xmlns:p="http://schemas.openxmlformats.org/presentationml/2006/main">
   <p:cSld>
     <p:spTree>
@@ -3436,7 +3572,7 @@
 </p:sld>
 </file>
 
-<file path=ppt/slides/slide3.xml><?xml version="1.0" encoding="utf-8"?>
+<file path=ppt/slides/slide4.xml><?xml version="1.0" encoding="utf-8"?>
 <p:sld xmlns:a="http://schemas.openxmlformats.org/drawingml/2006/main" xmlns:r="http://schemas.openxmlformats.org/officeDocument/2006/relationships" xmlns:p="http://schemas.openxmlformats.org/presentationml/2006/main">
   <p:cSld>
     <p:spTree>
@@ -3703,7 +3839,7 @@
 </p:sld>
 </file>
 
-<file path=ppt/slides/slide4.xml><?xml version="1.0" encoding="utf-8"?>
+<file path=ppt/slides/slide5.xml><?xml version="1.0" encoding="utf-8"?>
 <p:sld xmlns:a="http://schemas.openxmlformats.org/drawingml/2006/main" xmlns:r="http://schemas.openxmlformats.org/officeDocument/2006/relationships" xmlns:p="http://schemas.openxmlformats.org/presentationml/2006/main">
   <p:cSld>
     <p:spTree>
@@ -3763,7 +3899,7 @@
 </p:sld>
 </file>
 
-<file path=ppt/slides/slide5.xml><?xml version="1.0" encoding="utf-8"?>
+<file path=ppt/slides/slide6.xml><?xml version="1.0" encoding="utf-8"?>
 <p:sld xmlns:a="http://schemas.openxmlformats.org/drawingml/2006/main" xmlns:r="http://schemas.openxmlformats.org/officeDocument/2006/relationships" xmlns:p="http://schemas.openxmlformats.org/presentationml/2006/main">
   <p:cSld>
     <p:spTree>
@@ -3823,7 +3959,7 @@
 </p:sld>
 </file>
 
-<file path=ppt/slides/slide6.xml><?xml version="1.0" encoding="utf-8"?>
+<file path=ppt/slides/slide7.xml><?xml version="1.0" encoding="utf-8"?>
 <p:sld xmlns:a="http://schemas.openxmlformats.org/drawingml/2006/main" xmlns:r="http://schemas.openxmlformats.org/officeDocument/2006/relationships" xmlns:p="http://schemas.openxmlformats.org/presentationml/2006/main">
   <p:cSld>
     <p:spTree>
@@ -3883,7 +4019,7 @@
 </p:sld>
 </file>
 
-<file path=ppt/slides/slide7.xml><?xml version="1.0" encoding="utf-8"?>
+<file path=ppt/slides/slide8.xml><?xml version="1.0" encoding="utf-8"?>
 <p:sld xmlns:a="http://schemas.openxmlformats.org/drawingml/2006/main" xmlns:r="http://schemas.openxmlformats.org/officeDocument/2006/relationships" xmlns:p="http://schemas.openxmlformats.org/presentationml/2006/main">
   <p:cSld>
     <p:spTree>
@@ -3943,7 +4079,7 @@
 </p:sld>
 </file>
 
-<file path=ppt/slides/slide8.xml><?xml version="1.0" encoding="utf-8"?>
+<file path=ppt/slides/slide9.xml><?xml version="1.0" encoding="utf-8"?>
 <p:sld xmlns:a="http://schemas.openxmlformats.org/drawingml/2006/main" xmlns:r="http://schemas.openxmlformats.org/officeDocument/2006/relationships" xmlns:p="http://schemas.openxmlformats.org/presentationml/2006/main">
   <p:cSld>
     <p:spTree>
